--- a/docs/diagrams/GenerateCommandActivityDiagram.pptx
+++ b/docs/diagrams/GenerateCommandActivityDiagram.pptx
@@ -261,7 +261,7 @@
           <a:p>
             <a:fld id="{542F47FF-5056-41FF-A1F8-23A414798AA4}" type="datetimeFigureOut">
               <a:rPr lang="en-SG" smtClean="0"/>
-              <a:t>9/4/2019</a:t>
+              <a:t>15/4/2019</a:t>
             </a:fld>
             <a:endParaRPr lang="en-SG"/>
           </a:p>
@@ -461,7 +461,7 @@
           <a:p>
             <a:fld id="{542F47FF-5056-41FF-A1F8-23A414798AA4}" type="datetimeFigureOut">
               <a:rPr lang="en-SG" smtClean="0"/>
-              <a:t>9/4/2019</a:t>
+              <a:t>15/4/2019</a:t>
             </a:fld>
             <a:endParaRPr lang="en-SG"/>
           </a:p>
@@ -671,7 +671,7 @@
           <a:p>
             <a:fld id="{542F47FF-5056-41FF-A1F8-23A414798AA4}" type="datetimeFigureOut">
               <a:rPr lang="en-SG" smtClean="0"/>
-              <a:t>9/4/2019</a:t>
+              <a:t>15/4/2019</a:t>
             </a:fld>
             <a:endParaRPr lang="en-SG"/>
           </a:p>
@@ -871,7 +871,7 @@
           <a:p>
             <a:fld id="{542F47FF-5056-41FF-A1F8-23A414798AA4}" type="datetimeFigureOut">
               <a:rPr lang="en-SG" smtClean="0"/>
-              <a:t>9/4/2019</a:t>
+              <a:t>15/4/2019</a:t>
             </a:fld>
             <a:endParaRPr lang="en-SG"/>
           </a:p>
@@ -1147,7 +1147,7 @@
           <a:p>
             <a:fld id="{542F47FF-5056-41FF-A1F8-23A414798AA4}" type="datetimeFigureOut">
               <a:rPr lang="en-SG" smtClean="0"/>
-              <a:t>9/4/2019</a:t>
+              <a:t>15/4/2019</a:t>
             </a:fld>
             <a:endParaRPr lang="en-SG"/>
           </a:p>
@@ -1415,7 +1415,7 @@
           <a:p>
             <a:fld id="{542F47FF-5056-41FF-A1F8-23A414798AA4}" type="datetimeFigureOut">
               <a:rPr lang="en-SG" smtClean="0"/>
-              <a:t>9/4/2019</a:t>
+              <a:t>15/4/2019</a:t>
             </a:fld>
             <a:endParaRPr lang="en-SG"/>
           </a:p>
@@ -1830,7 +1830,7 @@
           <a:p>
             <a:fld id="{542F47FF-5056-41FF-A1F8-23A414798AA4}" type="datetimeFigureOut">
               <a:rPr lang="en-SG" smtClean="0"/>
-              <a:t>9/4/2019</a:t>
+              <a:t>15/4/2019</a:t>
             </a:fld>
             <a:endParaRPr lang="en-SG"/>
           </a:p>
@@ -1972,7 +1972,7 @@
           <a:p>
             <a:fld id="{542F47FF-5056-41FF-A1F8-23A414798AA4}" type="datetimeFigureOut">
               <a:rPr lang="en-SG" smtClean="0"/>
-              <a:t>9/4/2019</a:t>
+              <a:t>15/4/2019</a:t>
             </a:fld>
             <a:endParaRPr lang="en-SG"/>
           </a:p>
@@ -2085,7 +2085,7 @@
           <a:p>
             <a:fld id="{542F47FF-5056-41FF-A1F8-23A414798AA4}" type="datetimeFigureOut">
               <a:rPr lang="en-SG" smtClean="0"/>
-              <a:t>9/4/2019</a:t>
+              <a:t>15/4/2019</a:t>
             </a:fld>
             <a:endParaRPr lang="en-SG"/>
           </a:p>
@@ -2398,7 +2398,7 @@
           <a:p>
             <a:fld id="{542F47FF-5056-41FF-A1F8-23A414798AA4}" type="datetimeFigureOut">
               <a:rPr lang="en-SG" smtClean="0"/>
-              <a:t>9/4/2019</a:t>
+              <a:t>15/4/2019</a:t>
             </a:fld>
             <a:endParaRPr lang="en-SG"/>
           </a:p>
@@ -2687,7 +2687,7 @@
           <a:p>
             <a:fld id="{542F47FF-5056-41FF-A1F8-23A414798AA4}" type="datetimeFigureOut">
               <a:rPr lang="en-SG" smtClean="0"/>
-              <a:t>9/4/2019</a:t>
+              <a:t>15/4/2019</a:t>
             </a:fld>
             <a:endParaRPr lang="en-SG"/>
           </a:p>
@@ -2930,7 +2930,7 @@
           <a:p>
             <a:fld id="{542F47FF-5056-41FF-A1F8-23A414798AA4}" type="datetimeFigureOut">
               <a:rPr lang="en-SG" smtClean="0"/>
-              <a:t>9/4/2019</a:t>
+              <a:t>15/4/2019</a:t>
             </a:fld>
             <a:endParaRPr lang="en-SG"/>
           </a:p>
@@ -3429,7 +3429,7 @@
         <p:spPr>
           <a:xfrm>
             <a:off x="2184399" y="3007584"/>
-            <a:ext cx="5786577" cy="3102271"/>
+            <a:ext cx="5786577" cy="3263907"/>
           </a:xfrm>
           <a:prstGeom prst="roundRect">
             <a:avLst>
@@ -3654,7 +3654,7 @@
         </p:nvGrpSpPr>
         <p:grpSpPr>
           <a:xfrm>
-            <a:off x="7423410" y="6271491"/>
+            <a:off x="7093128" y="6366891"/>
             <a:ext cx="235669" cy="235669"/>
             <a:chOff x="8040730" y="5082186"/>
             <a:chExt cx="235669" cy="235669"/>
@@ -3768,13 +3768,14 @@
           <p:cNvCxnSpPr>
             <a:cxnSpLocks/>
             <a:stCxn id="60" idx="3"/>
+            <a:endCxn id="39" idx="0"/>
           </p:cNvCxnSpPr>
           <p:nvPr/>
         </p:nvCxnSpPr>
         <p:spPr>
           <a:xfrm>
             <a:off x="6629026" y="2676592"/>
-            <a:ext cx="912217" cy="3594899"/>
+            <a:ext cx="581937" cy="2987569"/>
           </a:xfrm>
           <a:prstGeom prst="bentConnector2">
             <a:avLst/>
@@ -4524,7 +4525,7 @@
         </p:nvSpPr>
         <p:spPr>
           <a:xfrm>
-            <a:off x="3733913" y="5042759"/>
+            <a:off x="3733913" y="4996809"/>
             <a:ext cx="1422818" cy="465352"/>
           </a:xfrm>
           <a:prstGeom prst="roundRect">
@@ -4754,7 +4755,7 @@
         </p:nvCxnSpPr>
         <p:spPr>
           <a:xfrm rot="16200000" flipH="1">
-            <a:off x="5371434" y="5235613"/>
+            <a:off x="5371434" y="5152903"/>
             <a:ext cx="872464" cy="5987"/>
           </a:xfrm>
           <a:prstGeom prst="bentConnector4">
@@ -4796,7 +4797,7 @@
         </p:nvSpPr>
         <p:spPr>
           <a:xfrm>
-            <a:off x="5329894" y="5434456"/>
+            <a:off x="5329894" y="5351746"/>
             <a:ext cx="480766" cy="480766"/>
           </a:xfrm>
           <a:prstGeom prst="diamond">
@@ -4857,7 +4858,7 @@
         <p:spPr>
           <a:xfrm rot="10800000" flipV="1">
             <a:off x="4445322" y="4802375"/>
-            <a:ext cx="882262" cy="240383"/>
+            <a:ext cx="882262" cy="194433"/>
           </a:xfrm>
           <a:prstGeom prst="bentConnector2">
             <a:avLst/>
@@ -4899,8 +4900,8 @@
         </p:nvCxnSpPr>
         <p:spPr>
           <a:xfrm rot="16200000" flipH="1">
-            <a:off x="4804244" y="5149189"/>
-            <a:ext cx="166728" cy="884572"/>
+            <a:off x="4822624" y="5084859"/>
+            <a:ext cx="129968" cy="884572"/>
           </a:xfrm>
           <a:prstGeom prst="bentConnector2">
             <a:avLst/>
@@ -4941,8 +4942,8 @@
         </p:nvCxnSpPr>
         <p:spPr>
           <a:xfrm rot="16200000" flipH="1">
-            <a:off x="6519484" y="4966014"/>
-            <a:ext cx="72554" cy="1970969"/>
+            <a:off x="6234412" y="5168376"/>
+            <a:ext cx="72033" cy="1400303"/>
           </a:xfrm>
           <a:prstGeom prst="bentConnector2">
             <a:avLst/>
@@ -4960,6 +4961,107 @@
           </a:fillRef>
           <a:effectRef idx="0">
             <a:schemeClr val="dk1"/>
+          </a:effectRef>
+          <a:fontRef idx="minor">
+            <a:schemeClr val="tx1"/>
+          </a:fontRef>
+        </p:style>
+      </p:cxnSp>
+      <p:sp>
+        <p:nvSpPr>
+          <p:cNvPr id="39" name="Diamond 38">
+            <a:extLst>
+              <a:ext uri="{FF2B5EF4-FFF2-40B4-BE49-F238E27FC236}">
+                <a16:creationId xmlns:a16="http://schemas.microsoft.com/office/drawing/2014/main" id="{C48C78FE-259D-4669-8830-E040A4B5FD33}"/>
+              </a:ext>
+            </a:extLst>
+          </p:cNvPr>
+          <p:cNvSpPr/>
+          <p:nvPr/>
+        </p:nvSpPr>
+        <p:spPr>
+          <a:xfrm>
+            <a:off x="6970580" y="5664161"/>
+            <a:ext cx="480766" cy="480766"/>
+          </a:xfrm>
+          <a:prstGeom prst="diamond">
+            <a:avLst/>
+          </a:prstGeom>
+          <a:solidFill>
+            <a:srgbClr val="7030A0"/>
+          </a:solidFill>
+        </p:spPr>
+        <p:style>
+          <a:lnRef idx="1">
+            <a:schemeClr val="accent5"/>
+          </a:lnRef>
+          <a:fillRef idx="2">
+            <a:schemeClr val="accent5"/>
+          </a:fillRef>
+          <a:effectRef idx="1">
+            <a:schemeClr val="accent5"/>
+          </a:effectRef>
+          <a:fontRef idx="minor">
+            <a:schemeClr val="dk1"/>
+          </a:fontRef>
+        </p:style>
+        <p:txBody>
+          <a:bodyPr rot="0" spcFirstLastPara="0" vertOverflow="overflow" horzOverflow="overflow" vert="horz" wrap="square" lIns="91440" tIns="45721" rIns="91440" bIns="45721" numCol="1" spcCol="0" rtlCol="0" fromWordArt="0" anchor="ctr" anchorCtr="0" forceAA="0" compatLnSpc="1">
+            <a:prstTxWarp prst="textNoShape">
+              <a:avLst/>
+            </a:prstTxWarp>
+            <a:noAutofit/>
+          </a:bodyPr>
+          <a:lstStyle/>
+          <a:p>
+            <a:pPr algn="ctr"/>
+            <a:endParaRPr lang="en-SG" sz="1400">
+              <a:solidFill>
+                <a:schemeClr val="bg1"/>
+              </a:solidFill>
+            </a:endParaRPr>
+          </a:p>
+        </p:txBody>
+      </p:sp>
+      <p:cxnSp>
+        <p:nvCxnSpPr>
+          <p:cNvPr id="12" name="Straight Arrow Connector 11">
+            <a:extLst>
+              <a:ext uri="{FF2B5EF4-FFF2-40B4-BE49-F238E27FC236}">
+                <a16:creationId xmlns:a16="http://schemas.microsoft.com/office/drawing/2014/main" id="{B80088F7-9897-41F0-BAD2-BA72844D7A58}"/>
+              </a:ext>
+            </a:extLst>
+          </p:cNvPr>
+          <p:cNvCxnSpPr>
+            <a:stCxn id="39" idx="2"/>
+            <a:endCxn id="68" idx="0"/>
+          </p:cNvCxnSpPr>
+          <p:nvPr/>
+        </p:nvCxnSpPr>
+        <p:spPr>
+          <a:xfrm>
+            <a:off x="7210963" y="6144927"/>
+            <a:ext cx="0" cy="221964"/>
+          </a:xfrm>
+          <a:prstGeom prst="straightConnector1">
+            <a:avLst/>
+          </a:prstGeom>
+          <a:ln>
+            <a:solidFill>
+              <a:schemeClr val="tx1"/>
+            </a:solidFill>
+            <a:tailEnd type="triangle"/>
+          </a:ln>
+        </p:spPr>
+        <p:style>
+          <a:lnRef idx="1">
+            <a:schemeClr val="accent1"/>
+          </a:lnRef>
+          <a:fillRef idx="0">
+            <a:schemeClr val="accent1"/>
+          </a:fillRef>
+          <a:effectRef idx="0">
+            <a:schemeClr val="accent1"/>
           </a:effectRef>
           <a:fontRef idx="minor">
             <a:schemeClr val="tx1"/>
